--- a/doc/ProjectArchitecture.pptx
+++ b/doc/ProjectArchitecture.pptx
@@ -6,6 +6,10 @@
   </p:sldMasterIdLst>
   <p:sldIdLst>
     <p:sldId id="256" r:id="rId2"/>
+    <p:sldId id="257" r:id="rId3"/>
+    <p:sldId id="258" r:id="rId4"/>
+    <p:sldId id="259" r:id="rId5"/>
+    <p:sldId id="260" r:id="rId6"/>
   </p:sldIdLst>
   <p:sldSz cx="12192000" cy="6858000"/>
   <p:notesSz cx="6858000" cy="9144000"/>
@@ -104,6 +108,11 @@
       </a:defRPr>
     </a:lvl9pPr>
   </p:defaultTextStyle>
+  <p:extLst>
+    <p:ext uri="{EFAFB233-063F-42B5-8137-9DF3F51BA10A}">
+      <p15:sldGuideLst xmlns:p15="http://schemas.microsoft.com/office/powerpoint/2012/main"/>
+    </p:ext>
+  </p:extLst>
 </p:presentation>
 </file>
 
@@ -254,7 +263,7 @@
           <a:p>
             <a:fld id="{60824B72-9D19-4356-8EEF-CC66D1BEFAEC}" type="datetimeFigureOut">
               <a:rPr lang="en-US" smtClean="0"/>
-              <a:t>11/30/2022</a:t>
+              <a:t>12/12/2022</a:t>
             </a:fld>
             <a:endParaRPr lang="en-US"/>
           </a:p>
@@ -452,7 +461,7 @@
           <a:p>
             <a:fld id="{60824B72-9D19-4356-8EEF-CC66D1BEFAEC}" type="datetimeFigureOut">
               <a:rPr lang="en-US" smtClean="0"/>
-              <a:t>11/30/2022</a:t>
+              <a:t>12/12/2022</a:t>
             </a:fld>
             <a:endParaRPr lang="en-US"/>
           </a:p>
@@ -660,7 +669,7 @@
           <a:p>
             <a:fld id="{60824B72-9D19-4356-8EEF-CC66D1BEFAEC}" type="datetimeFigureOut">
               <a:rPr lang="en-US" smtClean="0"/>
-              <a:t>11/30/2022</a:t>
+              <a:t>12/12/2022</a:t>
             </a:fld>
             <a:endParaRPr lang="en-US"/>
           </a:p>
@@ -858,7 +867,7 @@
           <a:p>
             <a:fld id="{60824B72-9D19-4356-8EEF-CC66D1BEFAEC}" type="datetimeFigureOut">
               <a:rPr lang="en-US" smtClean="0"/>
-              <a:t>11/30/2022</a:t>
+              <a:t>12/12/2022</a:t>
             </a:fld>
             <a:endParaRPr lang="en-US"/>
           </a:p>
@@ -1133,7 +1142,7 @@
           <a:p>
             <a:fld id="{60824B72-9D19-4356-8EEF-CC66D1BEFAEC}" type="datetimeFigureOut">
               <a:rPr lang="en-US" smtClean="0"/>
-              <a:t>11/30/2022</a:t>
+              <a:t>12/12/2022</a:t>
             </a:fld>
             <a:endParaRPr lang="en-US"/>
           </a:p>
@@ -1398,7 +1407,7 @@
           <a:p>
             <a:fld id="{60824B72-9D19-4356-8EEF-CC66D1BEFAEC}" type="datetimeFigureOut">
               <a:rPr lang="en-US" smtClean="0"/>
-              <a:t>11/30/2022</a:t>
+              <a:t>12/12/2022</a:t>
             </a:fld>
             <a:endParaRPr lang="en-US"/>
           </a:p>
@@ -1810,7 +1819,7 @@
           <a:p>
             <a:fld id="{60824B72-9D19-4356-8EEF-CC66D1BEFAEC}" type="datetimeFigureOut">
               <a:rPr lang="en-US" smtClean="0"/>
-              <a:t>11/30/2022</a:t>
+              <a:t>12/12/2022</a:t>
             </a:fld>
             <a:endParaRPr lang="en-US"/>
           </a:p>
@@ -1951,7 +1960,7 @@
           <a:p>
             <a:fld id="{60824B72-9D19-4356-8EEF-CC66D1BEFAEC}" type="datetimeFigureOut">
               <a:rPr lang="en-US" smtClean="0"/>
-              <a:t>11/30/2022</a:t>
+              <a:t>12/12/2022</a:t>
             </a:fld>
             <a:endParaRPr lang="en-US"/>
           </a:p>
@@ -2064,7 +2073,7 @@
           <a:p>
             <a:fld id="{60824B72-9D19-4356-8EEF-CC66D1BEFAEC}" type="datetimeFigureOut">
               <a:rPr lang="en-US" smtClean="0"/>
-              <a:t>11/30/2022</a:t>
+              <a:t>12/12/2022</a:t>
             </a:fld>
             <a:endParaRPr lang="en-US"/>
           </a:p>
@@ -2375,7 +2384,7 @@
           <a:p>
             <a:fld id="{60824B72-9D19-4356-8EEF-CC66D1BEFAEC}" type="datetimeFigureOut">
               <a:rPr lang="en-US" smtClean="0"/>
-              <a:t>11/30/2022</a:t>
+              <a:t>12/12/2022</a:t>
             </a:fld>
             <a:endParaRPr lang="en-US"/>
           </a:p>
@@ -2663,7 +2672,7 @@
           <a:p>
             <a:fld id="{60824B72-9D19-4356-8EEF-CC66D1BEFAEC}" type="datetimeFigureOut">
               <a:rPr lang="en-US" smtClean="0"/>
-              <a:t>11/30/2022</a:t>
+              <a:t>12/12/2022</a:t>
             </a:fld>
             <a:endParaRPr lang="en-US"/>
           </a:p>
@@ -2904,7 +2913,7 @@
           <a:p>
             <a:fld id="{60824B72-9D19-4356-8EEF-CC66D1BEFAEC}" type="datetimeFigureOut">
               <a:rPr lang="en-US" smtClean="0"/>
-              <a:t>11/30/2022</a:t>
+              <a:t>12/12/2022</a:t>
             </a:fld>
             <a:endParaRPr lang="en-US"/>
           </a:p>
@@ -3342,7 +3351,10 @@
           <a:bodyPr/>
           <a:lstStyle/>
           <a:p>
-            <a:endParaRPr lang="en-US"/>
+            <a:r>
+              <a:rPr lang="en-US" dirty="0"/>
+              <a:t>Project Architecture</a:t>
+            </a:r>
           </a:p>
         </p:txBody>
       </p:sp>
@@ -3367,7 +3379,15 @@
           <a:bodyPr/>
           <a:lstStyle/>
           <a:p>
-            <a:endParaRPr lang="en-US"/>
+            <a:r>
+              <a:rPr lang="en-US" dirty="0"/>
+              <a:t>Connect Four w/ </a:t>
+            </a:r>
+            <a:r>
+              <a:rPr lang="en-US" dirty="0" err="1"/>
+              <a:t>AI_Player</a:t>
+            </a:r>
+            <a:endParaRPr lang="en-US" dirty="0"/>
           </a:p>
         </p:txBody>
       </p:sp>
@@ -3375,6 +3395,426 @@
     <p:extLst>
       <p:ext uri="{BB962C8B-B14F-4D97-AF65-F5344CB8AC3E}">
         <p14:creationId xmlns:p14="http://schemas.microsoft.com/office/powerpoint/2010/main" val="1682588161"/>
+      </p:ext>
+    </p:extLst>
+  </p:cSld>
+  <p:clrMapOvr>
+    <a:masterClrMapping/>
+  </p:clrMapOvr>
+</p:sld>
+</file>
+
+<file path=ppt/slides/slide2.xml><?xml version="1.0" encoding="utf-8"?>
+<p:sld xmlns:a="http://schemas.openxmlformats.org/drawingml/2006/main" xmlns:r="http://schemas.openxmlformats.org/officeDocument/2006/relationships" xmlns:p="http://schemas.openxmlformats.org/presentationml/2006/main">
+  <p:cSld>
+    <p:spTree>
+      <p:nvGrpSpPr>
+        <p:cNvPr id="1" name=""/>
+        <p:cNvGrpSpPr/>
+        <p:nvPr/>
+      </p:nvGrpSpPr>
+      <p:grpSpPr>
+        <a:xfrm>
+          <a:off x="0" y="0"/>
+          <a:ext cx="0" cy="0"/>
+          <a:chOff x="0" y="0"/>
+          <a:chExt cx="0" cy="0"/>
+        </a:xfrm>
+      </p:grpSpPr>
+      <p:sp>
+        <p:nvSpPr>
+          <p:cNvPr id="2" name="Title 1">
+            <a:extLst>
+              <a:ext uri="{FF2B5EF4-FFF2-40B4-BE49-F238E27FC236}">
+                <a16:creationId xmlns:a16="http://schemas.microsoft.com/office/drawing/2014/main" id="{FF8DFF51-7762-F2AE-FAD6-70A6D8225B42}"/>
+              </a:ext>
+            </a:extLst>
+          </p:cNvPr>
+          <p:cNvSpPr>
+            <a:spLocks noGrp="1"/>
+          </p:cNvSpPr>
+          <p:nvPr>
+            <p:ph type="title"/>
+          </p:nvPr>
+        </p:nvSpPr>
+        <p:spPr/>
+        <p:txBody>
+          <a:bodyPr/>
+          <a:lstStyle/>
+          <a:p>
+            <a:r>
+              <a:rPr lang="en-US" dirty="0"/>
+              <a:t>3 Classes</a:t>
+            </a:r>
+          </a:p>
+        </p:txBody>
+      </p:sp>
+      <p:sp>
+        <p:nvSpPr>
+          <p:cNvPr id="3" name="Content Placeholder 2">
+            <a:extLst>
+              <a:ext uri="{FF2B5EF4-FFF2-40B4-BE49-F238E27FC236}">
+                <a16:creationId xmlns:a16="http://schemas.microsoft.com/office/drawing/2014/main" id="{0B140640-8880-4751-9A56-03143775FF38}"/>
+              </a:ext>
+            </a:extLst>
+          </p:cNvPr>
+          <p:cNvSpPr>
+            <a:spLocks noGrp="1"/>
+          </p:cNvSpPr>
+          <p:nvPr>
+            <p:ph idx="1"/>
+          </p:nvPr>
+        </p:nvSpPr>
+        <p:spPr/>
+        <p:txBody>
+          <a:bodyPr/>
+          <a:lstStyle/>
+          <a:p>
+            <a:r>
+              <a:rPr lang="en-US" dirty="0"/>
+              <a:t>Board.cpp</a:t>
+            </a:r>
+          </a:p>
+          <a:p>
+            <a:r>
+              <a:rPr lang="en-US" dirty="0"/>
+              <a:t>AI_Player.cpp</a:t>
+            </a:r>
+          </a:p>
+          <a:p>
+            <a:r>
+              <a:rPr lang="en-US" dirty="0"/>
+              <a:t>Player.cpp</a:t>
+            </a:r>
+          </a:p>
+          <a:p>
+            <a:endParaRPr lang="en-US" dirty="0"/>
+          </a:p>
+          <a:p>
+            <a:endParaRPr lang="en-US" dirty="0"/>
+          </a:p>
+          <a:p>
+            <a:endParaRPr lang="en-US" dirty="0"/>
+          </a:p>
+          <a:p>
+            <a:pPr marL="0" indent="0">
+              <a:buNone/>
+            </a:pPr>
+            <a:r>
+              <a:rPr lang="en-US" dirty="0"/>
+              <a:t>w/ all the header files and of course main.cpp</a:t>
+            </a:r>
+          </a:p>
+        </p:txBody>
+      </p:sp>
+    </p:spTree>
+    <p:extLst>
+      <p:ext uri="{BB962C8B-B14F-4D97-AF65-F5344CB8AC3E}">
+        <p14:creationId xmlns:p14="http://schemas.microsoft.com/office/powerpoint/2010/main" val="3577702595"/>
+      </p:ext>
+    </p:extLst>
+  </p:cSld>
+  <p:clrMapOvr>
+    <a:masterClrMapping/>
+  </p:clrMapOvr>
+</p:sld>
+</file>
+
+<file path=ppt/slides/slide3.xml><?xml version="1.0" encoding="utf-8"?>
+<p:sld xmlns:a="http://schemas.openxmlformats.org/drawingml/2006/main" xmlns:r="http://schemas.openxmlformats.org/officeDocument/2006/relationships" xmlns:p="http://schemas.openxmlformats.org/presentationml/2006/main">
+  <p:cSld>
+    <p:spTree>
+      <p:nvGrpSpPr>
+        <p:cNvPr id="1" name=""/>
+        <p:cNvGrpSpPr/>
+        <p:nvPr/>
+      </p:nvGrpSpPr>
+      <p:grpSpPr>
+        <a:xfrm>
+          <a:off x="0" y="0"/>
+          <a:ext cx="0" cy="0"/>
+          <a:chOff x="0" y="0"/>
+          <a:chExt cx="0" cy="0"/>
+        </a:xfrm>
+      </p:grpSpPr>
+      <p:sp>
+        <p:nvSpPr>
+          <p:cNvPr id="2" name="Title 1">
+            <a:extLst>
+              <a:ext uri="{FF2B5EF4-FFF2-40B4-BE49-F238E27FC236}">
+                <a16:creationId xmlns:a16="http://schemas.microsoft.com/office/drawing/2014/main" id="{C03CC144-5ADE-4E8D-8E6C-3E55B86B4581}"/>
+              </a:ext>
+            </a:extLst>
+          </p:cNvPr>
+          <p:cNvSpPr>
+            <a:spLocks noGrp="1"/>
+          </p:cNvSpPr>
+          <p:nvPr>
+            <p:ph type="title"/>
+          </p:nvPr>
+        </p:nvSpPr>
+        <p:spPr/>
+        <p:txBody>
+          <a:bodyPr/>
+          <a:lstStyle/>
+          <a:p>
+            <a:r>
+              <a:rPr lang="en-US" dirty="0"/>
+              <a:t>Board.cpp</a:t>
+            </a:r>
+          </a:p>
+        </p:txBody>
+      </p:sp>
+      <p:sp>
+        <p:nvSpPr>
+          <p:cNvPr id="3" name="Content Placeholder 2">
+            <a:extLst>
+              <a:ext uri="{FF2B5EF4-FFF2-40B4-BE49-F238E27FC236}">
+                <a16:creationId xmlns:a16="http://schemas.microsoft.com/office/drawing/2014/main" id="{0F3125CE-CE2C-1861-98D0-2820A4F1902E}"/>
+              </a:ext>
+            </a:extLst>
+          </p:cNvPr>
+          <p:cNvSpPr>
+            <a:spLocks noGrp="1"/>
+          </p:cNvSpPr>
+          <p:nvPr>
+            <p:ph idx="1"/>
+          </p:nvPr>
+        </p:nvSpPr>
+        <p:spPr/>
+        <p:txBody>
+          <a:bodyPr/>
+          <a:lstStyle/>
+          <a:p>
+            <a:r>
+              <a:rPr lang="en-US" dirty="0"/>
+              <a:t>Contains the classes for the ASCII graphics. </a:t>
+            </a:r>
+          </a:p>
+          <a:p>
+            <a:r>
+              <a:rPr lang="en-US" dirty="0"/>
+              <a:t>Contains functions for adding checkers</a:t>
+            </a:r>
+          </a:p>
+          <a:p>
+            <a:r>
+              <a:rPr lang="en-US" dirty="0"/>
+              <a:t>Contains function for checking if the game has been won or not.</a:t>
+            </a:r>
+          </a:p>
+        </p:txBody>
+      </p:sp>
+    </p:spTree>
+    <p:extLst>
+      <p:ext uri="{BB962C8B-B14F-4D97-AF65-F5344CB8AC3E}">
+        <p14:creationId xmlns:p14="http://schemas.microsoft.com/office/powerpoint/2010/main" val="1941256099"/>
+      </p:ext>
+    </p:extLst>
+  </p:cSld>
+  <p:clrMapOvr>
+    <a:masterClrMapping/>
+  </p:clrMapOvr>
+</p:sld>
+</file>
+
+<file path=ppt/slides/slide4.xml><?xml version="1.0" encoding="utf-8"?>
+<p:sld xmlns:a="http://schemas.openxmlformats.org/drawingml/2006/main" xmlns:r="http://schemas.openxmlformats.org/officeDocument/2006/relationships" xmlns:p="http://schemas.openxmlformats.org/presentationml/2006/main">
+  <p:cSld>
+    <p:spTree>
+      <p:nvGrpSpPr>
+        <p:cNvPr id="1" name=""/>
+        <p:cNvGrpSpPr/>
+        <p:nvPr/>
+      </p:nvGrpSpPr>
+      <p:grpSpPr>
+        <a:xfrm>
+          <a:off x="0" y="0"/>
+          <a:ext cx="0" cy="0"/>
+          <a:chOff x="0" y="0"/>
+          <a:chExt cx="0" cy="0"/>
+        </a:xfrm>
+      </p:grpSpPr>
+      <p:sp>
+        <p:nvSpPr>
+          <p:cNvPr id="2" name="Title 1">
+            <a:extLst>
+              <a:ext uri="{FF2B5EF4-FFF2-40B4-BE49-F238E27FC236}">
+                <a16:creationId xmlns:a16="http://schemas.microsoft.com/office/drawing/2014/main" id="{A3F351EA-71F3-872C-9D25-5C8664CE58AA}"/>
+              </a:ext>
+            </a:extLst>
+          </p:cNvPr>
+          <p:cNvSpPr>
+            <a:spLocks noGrp="1"/>
+          </p:cNvSpPr>
+          <p:nvPr>
+            <p:ph type="title"/>
+          </p:nvPr>
+        </p:nvSpPr>
+        <p:spPr/>
+        <p:txBody>
+          <a:bodyPr/>
+          <a:lstStyle/>
+          <a:p>
+            <a:r>
+              <a:rPr lang="en-US" dirty="0"/>
+              <a:t>AI_Player.cpp</a:t>
+            </a:r>
+          </a:p>
+        </p:txBody>
+      </p:sp>
+      <p:sp>
+        <p:nvSpPr>
+          <p:cNvPr id="3" name="Content Placeholder 2">
+            <a:extLst>
+              <a:ext uri="{FF2B5EF4-FFF2-40B4-BE49-F238E27FC236}">
+                <a16:creationId xmlns:a16="http://schemas.microsoft.com/office/drawing/2014/main" id="{1E2CED7D-1D53-34AE-A6A7-C525117D7FDA}"/>
+              </a:ext>
+            </a:extLst>
+          </p:cNvPr>
+          <p:cNvSpPr>
+            <a:spLocks noGrp="1"/>
+          </p:cNvSpPr>
+          <p:nvPr>
+            <p:ph idx="1"/>
+          </p:nvPr>
+        </p:nvSpPr>
+        <p:spPr/>
+        <p:txBody>
+          <a:bodyPr/>
+          <a:lstStyle/>
+          <a:p>
+            <a:r>
+              <a:rPr lang="en-US" dirty="0"/>
+              <a:t>Contains functions for </a:t>
+            </a:r>
+            <a:r>
+              <a:rPr lang="en-US" dirty="0" err="1"/>
+              <a:t>AI_Player</a:t>
+            </a:r>
+            <a:r>
+              <a:rPr lang="en-US" dirty="0"/>
+              <a:t> that will </a:t>
+            </a:r>
+            <a:r>
+              <a:rPr lang="en-US" dirty="0" err="1"/>
+              <a:t>analyse</a:t>
+            </a:r>
+            <a:r>
+              <a:rPr lang="en-US" dirty="0"/>
+              <a:t> the current state of the game and make the next move accordingly</a:t>
+            </a:r>
+          </a:p>
+          <a:p>
+            <a:r>
+              <a:rPr lang="en-US" dirty="0"/>
+              <a:t>Will then use Board functions to make their move.</a:t>
+            </a:r>
+          </a:p>
+          <a:p>
+            <a:r>
+              <a:rPr lang="en-US" dirty="0"/>
+              <a:t>Used for identification i.e. or which is the active player.</a:t>
+            </a:r>
+          </a:p>
+        </p:txBody>
+      </p:sp>
+    </p:spTree>
+    <p:extLst>
+      <p:ext uri="{BB962C8B-B14F-4D97-AF65-F5344CB8AC3E}">
+        <p14:creationId xmlns:p14="http://schemas.microsoft.com/office/powerpoint/2010/main" val="1565509385"/>
+      </p:ext>
+    </p:extLst>
+  </p:cSld>
+  <p:clrMapOvr>
+    <a:masterClrMapping/>
+  </p:clrMapOvr>
+</p:sld>
+</file>
+
+<file path=ppt/slides/slide5.xml><?xml version="1.0" encoding="utf-8"?>
+<p:sld xmlns:a="http://schemas.openxmlformats.org/drawingml/2006/main" xmlns:r="http://schemas.openxmlformats.org/officeDocument/2006/relationships" xmlns:p="http://schemas.openxmlformats.org/presentationml/2006/main">
+  <p:cSld>
+    <p:spTree>
+      <p:nvGrpSpPr>
+        <p:cNvPr id="1" name=""/>
+        <p:cNvGrpSpPr/>
+        <p:nvPr/>
+      </p:nvGrpSpPr>
+      <p:grpSpPr>
+        <a:xfrm>
+          <a:off x="0" y="0"/>
+          <a:ext cx="0" cy="0"/>
+          <a:chOff x="0" y="0"/>
+          <a:chExt cx="0" cy="0"/>
+        </a:xfrm>
+      </p:grpSpPr>
+      <p:sp>
+        <p:nvSpPr>
+          <p:cNvPr id="2" name="Title 1">
+            <a:extLst>
+              <a:ext uri="{FF2B5EF4-FFF2-40B4-BE49-F238E27FC236}">
+                <a16:creationId xmlns:a16="http://schemas.microsoft.com/office/drawing/2014/main" id="{A3F351EA-71F3-872C-9D25-5C8664CE58AA}"/>
+              </a:ext>
+            </a:extLst>
+          </p:cNvPr>
+          <p:cNvSpPr>
+            <a:spLocks noGrp="1"/>
+          </p:cNvSpPr>
+          <p:nvPr>
+            <p:ph type="title"/>
+          </p:nvPr>
+        </p:nvSpPr>
+        <p:spPr/>
+        <p:txBody>
+          <a:bodyPr/>
+          <a:lstStyle/>
+          <a:p>
+            <a:r>
+              <a:rPr lang="en-US" dirty="0"/>
+              <a:t>Player.cpp</a:t>
+            </a:r>
+          </a:p>
+        </p:txBody>
+      </p:sp>
+      <p:sp>
+        <p:nvSpPr>
+          <p:cNvPr id="3" name="Content Placeholder 2">
+            <a:extLst>
+              <a:ext uri="{FF2B5EF4-FFF2-40B4-BE49-F238E27FC236}">
+                <a16:creationId xmlns:a16="http://schemas.microsoft.com/office/drawing/2014/main" id="{1E2CED7D-1D53-34AE-A6A7-C525117D7FDA}"/>
+              </a:ext>
+            </a:extLst>
+          </p:cNvPr>
+          <p:cNvSpPr>
+            <a:spLocks noGrp="1"/>
+          </p:cNvSpPr>
+          <p:nvPr>
+            <p:ph idx="1"/>
+          </p:nvPr>
+        </p:nvSpPr>
+        <p:spPr/>
+        <p:txBody>
+          <a:bodyPr/>
+          <a:lstStyle/>
+          <a:p>
+            <a:r>
+              <a:rPr lang="en-US" dirty="0"/>
+              <a:t>Contains basic instructions for the player and how they can interact with the game.</a:t>
+            </a:r>
+          </a:p>
+          <a:p>
+            <a:r>
+              <a:rPr lang="en-US" dirty="0"/>
+              <a:t>Used also for identifying the active player. Who won … etc.</a:t>
+            </a:r>
+          </a:p>
+        </p:txBody>
+      </p:sp>
+    </p:spTree>
+    <p:extLst>
+      <p:ext uri="{BB962C8B-B14F-4D97-AF65-F5344CB8AC3E}">
+        <p14:creationId xmlns:p14="http://schemas.microsoft.com/office/powerpoint/2010/main" val="1544088183"/>
       </p:ext>
     </p:extLst>
   </p:cSld>

--- a/doc/ProjectArchitecture.pptx
+++ b/doc/ProjectArchitecture.pptx
@@ -6,7 +6,7 @@
   </p:sldMasterIdLst>
   <p:sldIdLst>
     <p:sldId id="256" r:id="rId2"/>
-    <p:sldId id="257" r:id="rId3"/>
+    <p:sldId id="261" r:id="rId3"/>
     <p:sldId id="258" r:id="rId4"/>
     <p:sldId id="259" r:id="rId5"/>
     <p:sldId id="260" r:id="rId6"/>
@@ -3374,20 +3374,20 @@
             <p:ph type="subTitle" idx="1"/>
           </p:nvPr>
         </p:nvSpPr>
-        <p:spPr/>
+        <p:spPr>
+          <a:xfrm>
+            <a:off x="1603948" y="3507698"/>
+            <a:ext cx="9064052" cy="1750102"/>
+          </a:xfrm>
+        </p:spPr>
         <p:txBody>
           <a:bodyPr/>
           <a:lstStyle/>
           <a:p>
             <a:r>
               <a:rPr lang="en-US" dirty="0"/>
-              <a:t>Connect Four w/ </a:t>
-            </a:r>
-            <a:r>
-              <a:rPr lang="en-US" dirty="0" err="1"/>
-              <a:t>AI_Player</a:t>
-            </a:r>
-            <a:endParaRPr lang="en-US" dirty="0"/>
+              <a:t>Connect Four</a:t>
+            </a:r>
           </a:p>
         </p:txBody>
       </p:sp>
@@ -3421,96 +3421,97 @@
           <a:chExt cx="0" cy="0"/>
         </a:xfrm>
       </p:grpSpPr>
-      <p:sp>
-        <p:nvSpPr>
-          <p:cNvPr id="2" name="Title 1">
-            <a:extLst>
-              <a:ext uri="{FF2B5EF4-FFF2-40B4-BE49-F238E27FC236}">
-                <a16:creationId xmlns:a16="http://schemas.microsoft.com/office/drawing/2014/main" id="{FF8DFF51-7762-F2AE-FAD6-70A6D8225B42}"/>
-              </a:ext>
-            </a:extLst>
-          </p:cNvPr>
-          <p:cNvSpPr>
-            <a:spLocks noGrp="1"/>
-          </p:cNvSpPr>
-          <p:nvPr>
-            <p:ph type="title"/>
-          </p:nvPr>
-        </p:nvSpPr>
-        <p:spPr/>
-        <p:txBody>
-          <a:bodyPr/>
-          <a:lstStyle/>
-          <a:p>
+      <p:pic>
+        <p:nvPicPr>
+          <p:cNvPr id="2" name="Picture 1">
+            <a:extLst>
+              <a:ext uri="{FF2B5EF4-FFF2-40B4-BE49-F238E27FC236}">
+                <a16:creationId xmlns:a16="http://schemas.microsoft.com/office/drawing/2014/main" id="{1BEF1C8C-75FC-8D4F-505A-BA03E8B2F9A3}"/>
+              </a:ext>
+            </a:extLst>
+          </p:cNvPr>
+          <p:cNvPicPr>
+            <a:picLocks noChangeAspect="1"/>
+          </p:cNvPicPr>
+          <p:nvPr/>
+        </p:nvPicPr>
+        <p:blipFill>
+          <a:blip r:embed="rId2"/>
+          <a:stretch>
+            <a:fillRect/>
+          </a:stretch>
+        </p:blipFill>
+        <p:spPr>
+          <a:xfrm>
+            <a:off x="69954" y="1017352"/>
+            <a:ext cx="11731559" cy="5840648"/>
+          </a:xfrm>
+          <a:prstGeom prst="rect">
+            <a:avLst/>
+          </a:prstGeom>
+        </p:spPr>
+      </p:pic>
+      <p:sp>
+        <p:nvSpPr>
+          <p:cNvPr id="4" name="Title 1">
+            <a:extLst>
+              <a:ext uri="{FF2B5EF4-FFF2-40B4-BE49-F238E27FC236}">
+                <a16:creationId xmlns:a16="http://schemas.microsoft.com/office/drawing/2014/main" id="{0B0CD598-2D0B-BBF0-A439-2F7C8E096EAE}"/>
+              </a:ext>
+            </a:extLst>
+          </p:cNvPr>
+          <p:cNvSpPr txBox="1">
+            <a:spLocks/>
+          </p:cNvSpPr>
+          <p:nvPr/>
+        </p:nvSpPr>
+        <p:spPr>
+          <a:xfrm>
+            <a:off x="838200" y="189678"/>
+            <a:ext cx="10515600" cy="1325563"/>
+          </a:xfrm>
+          <a:prstGeom prst="rect">
+            <a:avLst/>
+          </a:prstGeom>
+        </p:spPr>
+        <p:txBody>
+          <a:bodyPr/>
+          <a:lstStyle>
+            <a:lvl1pPr algn="l" defTabSz="914400" rtl="0" eaLnBrk="1" latinLnBrk="0" hangingPunct="1">
+              <a:lnSpc>
+                <a:spcPct val="90000"/>
+              </a:lnSpc>
+              <a:spcBef>
+                <a:spcPct val="0"/>
+              </a:spcBef>
+              <a:buNone/>
+              <a:defRPr sz="4400" kern="1200">
+                <a:solidFill>
+                  <a:schemeClr val="tx1"/>
+                </a:solidFill>
+                <a:latin typeface="+mj-lt"/>
+                <a:ea typeface="+mj-ea"/>
+                <a:cs typeface="+mj-cs"/>
+              </a:defRPr>
+            </a:lvl1pPr>
+          </a:lstStyle>
+          <a:p>
+            <a:pPr algn="ctr"/>
             <a:r>
               <a:rPr lang="en-US" dirty="0"/>
-              <a:t>3 Classes</a:t>
-            </a:r>
-          </a:p>
-        </p:txBody>
-      </p:sp>
-      <p:sp>
-        <p:nvSpPr>
-          <p:cNvPr id="3" name="Content Placeholder 2">
-            <a:extLst>
-              <a:ext uri="{FF2B5EF4-FFF2-40B4-BE49-F238E27FC236}">
-                <a16:creationId xmlns:a16="http://schemas.microsoft.com/office/drawing/2014/main" id="{0B140640-8880-4751-9A56-03143775FF38}"/>
-              </a:ext>
-            </a:extLst>
-          </p:cNvPr>
-          <p:cNvSpPr>
-            <a:spLocks noGrp="1"/>
-          </p:cNvSpPr>
-          <p:nvPr>
-            <p:ph idx="1"/>
-          </p:nvPr>
-        </p:nvSpPr>
-        <p:spPr/>
-        <p:txBody>
-          <a:bodyPr/>
-          <a:lstStyle/>
-          <a:p>
-            <a:r>
-              <a:rPr lang="en-US" dirty="0"/>
-              <a:t>Board.cpp</a:t>
-            </a:r>
-          </a:p>
-          <a:p>
-            <a:r>
-              <a:rPr lang="en-US" dirty="0"/>
-              <a:t>AI_Player.cpp</a:t>
-            </a:r>
-          </a:p>
-          <a:p>
-            <a:r>
-              <a:rPr lang="en-US" dirty="0"/>
-              <a:t>Player.cpp</a:t>
-            </a:r>
-          </a:p>
-          <a:p>
+              <a:t>Class Diagram</a:t>
+            </a:r>
+          </a:p>
+          <a:p>
+            <a:pPr algn="ctr"/>
             <a:endParaRPr lang="en-US" dirty="0"/>
-          </a:p>
-          <a:p>
-            <a:endParaRPr lang="en-US" dirty="0"/>
-          </a:p>
-          <a:p>
-            <a:endParaRPr lang="en-US" dirty="0"/>
-          </a:p>
-          <a:p>
-            <a:pPr marL="0" indent="0">
-              <a:buNone/>
-            </a:pPr>
-            <a:r>
-              <a:rPr lang="en-US" dirty="0"/>
-              <a:t>w/ all the header files and of course main.cpp</a:t>
-            </a:r>
           </a:p>
         </p:txBody>
       </p:sp>
     </p:spTree>
     <p:extLst>
       <p:ext uri="{BB962C8B-B14F-4D97-AF65-F5344CB8AC3E}">
-        <p14:creationId xmlns:p14="http://schemas.microsoft.com/office/powerpoint/2010/main" val="3577702595"/>
+        <p14:creationId xmlns:p14="http://schemas.microsoft.com/office/powerpoint/2010/main" val="1703897544"/>
       </p:ext>
     </p:extLst>
   </p:cSld>
@@ -3694,15 +3695,7 @@
             </a:r>
             <a:r>
               <a:rPr lang="en-US" dirty="0"/>
-              <a:t> that will </a:t>
-            </a:r>
-            <a:r>
-              <a:rPr lang="en-US" dirty="0" err="1"/>
-              <a:t>analyse</a:t>
-            </a:r>
-            <a:r>
-              <a:rPr lang="en-US" dirty="0"/>
-              <a:t> the current state of the game and make the next move accordingly</a:t>
+              <a:t> that will analyze the current state of the game and make the next move accordingly</a:t>
             </a:r>
           </a:p>
           <a:p>

--- a/doc/ProjectArchitecture.pptx
+++ b/doc/ProjectArchitecture.pptx
@@ -8,8 +8,11 @@
     <p:sldId id="256" r:id="rId2"/>
     <p:sldId id="261" r:id="rId3"/>
     <p:sldId id="258" r:id="rId4"/>
-    <p:sldId id="259" r:id="rId5"/>
-    <p:sldId id="260" r:id="rId6"/>
+    <p:sldId id="260" r:id="rId5"/>
+    <p:sldId id="262" r:id="rId6"/>
+    <p:sldId id="263" r:id="rId7"/>
+    <p:sldId id="264" r:id="rId8"/>
+    <p:sldId id="259" r:id="rId9"/>
   </p:sldIdLst>
   <p:sldSz cx="12192000" cy="6858000"/>
   <p:notesSz cx="6858000" cy="9144000"/>
@@ -3561,7 +3564,7 @@
           <a:p>
             <a:r>
               <a:rPr lang="en-US" dirty="0"/>
-              <a:t>Board.cpp</a:t>
+              <a:t>The Board</a:t>
             </a:r>
           </a:p>
         </p:txBody>
@@ -3582,7 +3585,12 @@
             <p:ph idx="1"/>
           </p:nvPr>
         </p:nvSpPr>
-        <p:spPr/>
+        <p:spPr>
+          <a:xfrm>
+            <a:off x="838200" y="1825625"/>
+            <a:ext cx="4723151" cy="4351338"/>
+          </a:xfrm>
+        </p:spPr>
         <p:txBody>
           <a:bodyPr/>
           <a:lstStyle/>
@@ -3606,6 +3614,36 @@
           </a:p>
         </p:txBody>
       </p:sp>
+      <p:pic>
+        <p:nvPicPr>
+          <p:cNvPr id="5" name="Picture 4">
+            <a:extLst>
+              <a:ext uri="{FF2B5EF4-FFF2-40B4-BE49-F238E27FC236}">
+                <a16:creationId xmlns:a16="http://schemas.microsoft.com/office/drawing/2014/main" id="{D3BABAE4-7EA9-DB89-A011-D653446F63E1}"/>
+              </a:ext>
+            </a:extLst>
+          </p:cNvPr>
+          <p:cNvPicPr>
+            <a:picLocks noChangeAspect="1"/>
+          </p:cNvPicPr>
+          <p:nvPr/>
+        </p:nvPicPr>
+        <p:blipFill>
+          <a:blip r:embed="rId2"/>
+          <a:stretch>
+            <a:fillRect/>
+          </a:stretch>
+        </p:blipFill>
+        <p:spPr>
+          <a:xfrm>
+            <a:off x="5561351" y="1280778"/>
+            <a:ext cx="6271771" cy="4612491"/>
+          </a:xfrm>
+          <a:prstGeom prst="rect">
+            <a:avLst/>
+          </a:prstGeom>
+        </p:spPr>
+      </p:pic>
     </p:spTree>
     <p:extLst>
       <p:ext uri="{BB962C8B-B14F-4D97-AF65-F5344CB8AC3E}">
@@ -3659,7 +3697,7 @@
           <a:p>
             <a:r>
               <a:rPr lang="en-US" dirty="0"/>
-              <a:t>AI_Player.cpp</a:t>
+              <a:t>2Player.cpp</a:t>
             </a:r>
           </a:p>
         </p:txBody>
@@ -3680,42 +3718,69 @@
             <p:ph idx="1"/>
           </p:nvPr>
         </p:nvSpPr>
-        <p:spPr/>
+        <p:spPr>
+          <a:xfrm>
+            <a:off x="313545" y="1825625"/>
+            <a:ext cx="4843072" cy="4351338"/>
+          </a:xfrm>
+        </p:spPr>
         <p:txBody>
           <a:bodyPr/>
           <a:lstStyle/>
           <a:p>
             <a:r>
               <a:rPr lang="en-US" dirty="0"/>
-              <a:t>Contains functions for </a:t>
-            </a:r>
-            <a:r>
-              <a:rPr lang="en-US" dirty="0" err="1"/>
-              <a:t>AI_Player</a:t>
-            </a:r>
+              <a:t>Contains basic instructions for the player and how they can interact with the game.</a:t>
+            </a:r>
+          </a:p>
+          <a:p>
             <a:r>
               <a:rPr lang="en-US" dirty="0"/>
-              <a:t> that will analyze the current state of the game and make the next move accordingly</a:t>
+              <a:t>Used also for identifying the active player. Who won … etc.</a:t>
             </a:r>
           </a:p>
           <a:p>
             <a:r>
               <a:rPr lang="en-US" dirty="0"/>
-              <a:t>Will then use Board functions to make their move.</a:t>
-            </a:r>
-          </a:p>
-          <a:p>
-            <a:r>
-              <a:rPr lang="en-US" dirty="0"/>
-              <a:t>Used for identification i.e. or which is the active player.</a:t>
-            </a:r>
-          </a:p>
-        </p:txBody>
-      </p:sp>
+              <a:t>Board changes when updating showing the move of the Player </a:t>
+            </a:r>
+          </a:p>
+        </p:txBody>
+      </p:sp>
+      <p:pic>
+        <p:nvPicPr>
+          <p:cNvPr id="5" name="Picture 4">
+            <a:extLst>
+              <a:ext uri="{FF2B5EF4-FFF2-40B4-BE49-F238E27FC236}">
+                <a16:creationId xmlns:a16="http://schemas.microsoft.com/office/drawing/2014/main" id="{16547803-06CB-DDC9-FCDE-0207698482DC}"/>
+              </a:ext>
+            </a:extLst>
+          </p:cNvPr>
+          <p:cNvPicPr>
+            <a:picLocks noChangeAspect="1"/>
+          </p:cNvPicPr>
+          <p:nvPr/>
+        </p:nvPicPr>
+        <p:blipFill>
+          <a:blip r:embed="rId2"/>
+          <a:stretch>
+            <a:fillRect/>
+          </a:stretch>
+        </p:blipFill>
+        <p:spPr>
+          <a:xfrm>
+            <a:off x="5567211" y="1019332"/>
+            <a:ext cx="6438674" cy="4775094"/>
+          </a:xfrm>
+          <a:prstGeom prst="rect">
+            <a:avLst/>
+          </a:prstGeom>
+        </p:spPr>
+      </p:pic>
     </p:spTree>
     <p:extLst>
       <p:ext uri="{BB962C8B-B14F-4D97-AF65-F5344CB8AC3E}">
-        <p14:creationId xmlns:p14="http://schemas.microsoft.com/office/powerpoint/2010/main" val="1565509385"/>
+        <p14:creationId xmlns:p14="http://schemas.microsoft.com/office/powerpoint/2010/main" val="1544088183"/>
       </p:ext>
     </p:extLst>
   </p:cSld>
@@ -3742,12 +3807,81 @@
           <a:chExt cx="0" cy="0"/>
         </a:xfrm>
       </p:grpSpPr>
-      <p:sp>
-        <p:nvSpPr>
-          <p:cNvPr id="2" name="Title 1">
-            <a:extLst>
-              <a:ext uri="{FF2B5EF4-FFF2-40B4-BE49-F238E27FC236}">
-                <a16:creationId xmlns:a16="http://schemas.microsoft.com/office/drawing/2014/main" id="{A3F351EA-71F3-872C-9D25-5C8664CE58AA}"/>
+      <p:pic>
+        <p:nvPicPr>
+          <p:cNvPr id="5" name="Picture 4">
+            <a:extLst>
+              <a:ext uri="{FF2B5EF4-FFF2-40B4-BE49-F238E27FC236}">
+                <a16:creationId xmlns:a16="http://schemas.microsoft.com/office/drawing/2014/main" id="{5D9A96D5-6CA9-99AF-5C32-E9BC41807DE3}"/>
+              </a:ext>
+            </a:extLst>
+          </p:cNvPr>
+          <p:cNvPicPr>
+            <a:picLocks noChangeAspect="1"/>
+          </p:cNvPicPr>
+          <p:nvPr/>
+        </p:nvPicPr>
+        <p:blipFill>
+          <a:blip r:embed="rId2"/>
+          <a:stretch>
+            <a:fillRect/>
+          </a:stretch>
+        </p:blipFill>
+        <p:spPr>
+          <a:xfrm>
+            <a:off x="5029840" y="673339"/>
+            <a:ext cx="6740515" cy="4783082"/>
+          </a:xfrm>
+          <a:prstGeom prst="rect">
+            <a:avLst/>
+          </a:prstGeom>
+        </p:spPr>
+      </p:pic>
+      <p:sp>
+        <p:nvSpPr>
+          <p:cNvPr id="9" name="Content Placeholder 2">
+            <a:extLst>
+              <a:ext uri="{FF2B5EF4-FFF2-40B4-BE49-F238E27FC236}">
+                <a16:creationId xmlns:a16="http://schemas.microsoft.com/office/drawing/2014/main" id="{908F2529-5E5E-A58D-BC11-BB0C6E9CAAC8}"/>
+              </a:ext>
+            </a:extLst>
+          </p:cNvPr>
+          <p:cNvSpPr>
+            <a:spLocks noGrp="1"/>
+          </p:cNvSpPr>
+          <p:nvPr>
+            <p:ph idx="1"/>
+          </p:nvPr>
+        </p:nvSpPr>
+        <p:spPr>
+          <a:xfrm>
+            <a:off x="782308" y="2150934"/>
+            <a:ext cx="4078573" cy="4351338"/>
+          </a:xfrm>
+        </p:spPr>
+        <p:txBody>
+          <a:bodyPr/>
+          <a:lstStyle/>
+          <a:p>
+            <a:r>
+              <a:rPr lang="en-US" dirty="0"/>
+              <a:t>Board updates with ‘O’ for the second player</a:t>
+            </a:r>
+          </a:p>
+          <a:p>
+            <a:r>
+              <a:rPr lang="en-US" dirty="0"/>
+              <a:t>Both players play by selecting the row they want to place it in</a:t>
+            </a:r>
+          </a:p>
+        </p:txBody>
+      </p:sp>
+      <p:sp>
+        <p:nvSpPr>
+          <p:cNvPr id="10" name="Title 1">
+            <a:extLst>
+              <a:ext uri="{FF2B5EF4-FFF2-40B4-BE49-F238E27FC236}">
+                <a16:creationId xmlns:a16="http://schemas.microsoft.com/office/drawing/2014/main" id="{1315AC99-4180-35FF-13C0-AB064B04BB9B}"/>
               </a:ext>
             </a:extLst>
           </p:cNvPr>
@@ -3758,48 +3892,19 @@
             <p:ph type="title"/>
           </p:nvPr>
         </p:nvSpPr>
-        <p:spPr/>
+        <p:spPr>
+          <a:xfrm>
+            <a:off x="613349" y="355728"/>
+            <a:ext cx="10515600" cy="1325563"/>
+          </a:xfrm>
+        </p:spPr>
         <p:txBody>
           <a:bodyPr/>
           <a:lstStyle/>
           <a:p>
             <a:r>
               <a:rPr lang="en-US" dirty="0"/>
-              <a:t>Player.cpp</a:t>
-            </a:r>
-          </a:p>
-        </p:txBody>
-      </p:sp>
-      <p:sp>
-        <p:nvSpPr>
-          <p:cNvPr id="3" name="Content Placeholder 2">
-            <a:extLst>
-              <a:ext uri="{FF2B5EF4-FFF2-40B4-BE49-F238E27FC236}">
-                <a16:creationId xmlns:a16="http://schemas.microsoft.com/office/drawing/2014/main" id="{1E2CED7D-1D53-34AE-A6A7-C525117D7FDA}"/>
-              </a:ext>
-            </a:extLst>
-          </p:cNvPr>
-          <p:cNvSpPr>
-            <a:spLocks noGrp="1"/>
-          </p:cNvSpPr>
-          <p:nvPr>
-            <p:ph idx="1"/>
-          </p:nvPr>
-        </p:nvSpPr>
-        <p:spPr/>
-        <p:txBody>
-          <a:bodyPr/>
-          <a:lstStyle/>
-          <a:p>
-            <a:r>
-              <a:rPr lang="en-US" dirty="0"/>
-              <a:t>Contains basic instructions for the player and how they can interact with the game.</a:t>
-            </a:r>
-          </a:p>
-          <a:p>
-            <a:r>
-              <a:rPr lang="en-US" dirty="0"/>
-              <a:t>Used also for identifying the active player. Who won … etc.</a:t>
+              <a:t>Playing the Game</a:t>
             </a:r>
           </a:p>
         </p:txBody>
@@ -3807,7 +3912,357 @@
     </p:spTree>
     <p:extLst>
       <p:ext uri="{BB962C8B-B14F-4D97-AF65-F5344CB8AC3E}">
-        <p14:creationId xmlns:p14="http://schemas.microsoft.com/office/powerpoint/2010/main" val="1544088183"/>
+        <p14:creationId xmlns:p14="http://schemas.microsoft.com/office/powerpoint/2010/main" val="3048342125"/>
+      </p:ext>
+    </p:extLst>
+  </p:cSld>
+  <p:clrMapOvr>
+    <a:masterClrMapping/>
+  </p:clrMapOvr>
+</p:sld>
+</file>
+
+<file path=ppt/slides/slide6.xml><?xml version="1.0" encoding="utf-8"?>
+<p:sld xmlns:a="http://schemas.openxmlformats.org/drawingml/2006/main" xmlns:r="http://schemas.openxmlformats.org/officeDocument/2006/relationships" xmlns:p="http://schemas.openxmlformats.org/presentationml/2006/main">
+  <p:cSld>
+    <p:spTree>
+      <p:nvGrpSpPr>
+        <p:cNvPr id="1" name=""/>
+        <p:cNvGrpSpPr/>
+        <p:nvPr/>
+      </p:nvGrpSpPr>
+      <p:grpSpPr>
+        <a:xfrm>
+          <a:off x="0" y="0"/>
+          <a:ext cx="0" cy="0"/>
+          <a:chOff x="0" y="0"/>
+          <a:chExt cx="0" cy="0"/>
+        </a:xfrm>
+      </p:grpSpPr>
+      <p:sp>
+        <p:nvSpPr>
+          <p:cNvPr id="2" name="Title 1">
+            <a:extLst>
+              <a:ext uri="{FF2B5EF4-FFF2-40B4-BE49-F238E27FC236}">
+                <a16:creationId xmlns:a16="http://schemas.microsoft.com/office/drawing/2014/main" id="{6EC796D1-445D-18F5-DCDC-658D67FC2A71}"/>
+              </a:ext>
+            </a:extLst>
+          </p:cNvPr>
+          <p:cNvSpPr>
+            <a:spLocks noGrp="1"/>
+          </p:cNvSpPr>
+          <p:nvPr>
+            <p:ph type="title"/>
+          </p:nvPr>
+        </p:nvSpPr>
+        <p:spPr/>
+        <p:txBody>
+          <a:bodyPr/>
+          <a:lstStyle/>
+          <a:p>
+            <a:r>
+              <a:rPr lang="en-US" dirty="0"/>
+              <a:t>Playing the Game</a:t>
+            </a:r>
+          </a:p>
+        </p:txBody>
+      </p:sp>
+      <p:sp>
+        <p:nvSpPr>
+          <p:cNvPr id="3" name="Content Placeholder 2">
+            <a:extLst>
+              <a:ext uri="{FF2B5EF4-FFF2-40B4-BE49-F238E27FC236}">
+                <a16:creationId xmlns:a16="http://schemas.microsoft.com/office/drawing/2014/main" id="{6F24BDB9-08A3-3BD3-4C21-424A5879D6CE}"/>
+              </a:ext>
+            </a:extLst>
+          </p:cNvPr>
+          <p:cNvSpPr>
+            <a:spLocks noGrp="1"/>
+          </p:cNvSpPr>
+          <p:nvPr>
+            <p:ph idx="1"/>
+          </p:nvPr>
+        </p:nvSpPr>
+        <p:spPr>
+          <a:xfrm>
+            <a:off x="838200" y="1825625"/>
+            <a:ext cx="4723151" cy="4351338"/>
+          </a:xfrm>
+        </p:spPr>
+        <p:txBody>
+          <a:bodyPr/>
+          <a:lstStyle/>
+          <a:p>
+            <a:r>
+              <a:rPr lang="en-US" dirty="0"/>
+              <a:t>Game ends when a player make 4 in a row</a:t>
+            </a:r>
+          </a:p>
+          <a:p>
+            <a:r>
+              <a:rPr lang="en-US" dirty="0"/>
+              <a:t>Can win with 4 in a row vertical, horizontal, or diagonal</a:t>
+            </a:r>
+          </a:p>
+        </p:txBody>
+      </p:sp>
+      <p:pic>
+        <p:nvPicPr>
+          <p:cNvPr id="5" name="Picture 4">
+            <a:extLst>
+              <a:ext uri="{FF2B5EF4-FFF2-40B4-BE49-F238E27FC236}">
+                <a16:creationId xmlns:a16="http://schemas.microsoft.com/office/drawing/2014/main" id="{A665E82B-B098-AAA9-930F-A1E287118855}"/>
+              </a:ext>
+            </a:extLst>
+          </p:cNvPr>
+          <p:cNvPicPr>
+            <a:picLocks noChangeAspect="1"/>
+          </p:cNvPicPr>
+          <p:nvPr/>
+        </p:nvPicPr>
+        <p:blipFill>
+          <a:blip r:embed="rId2"/>
+          <a:stretch>
+            <a:fillRect/>
+          </a:stretch>
+        </p:blipFill>
+        <p:spPr>
+          <a:xfrm>
+            <a:off x="5666283" y="1411423"/>
+            <a:ext cx="6176469" cy="4293061"/>
+          </a:xfrm>
+          <a:prstGeom prst="rect">
+            <a:avLst/>
+          </a:prstGeom>
+        </p:spPr>
+      </p:pic>
+    </p:spTree>
+    <p:extLst>
+      <p:ext uri="{BB962C8B-B14F-4D97-AF65-F5344CB8AC3E}">
+        <p14:creationId xmlns:p14="http://schemas.microsoft.com/office/powerpoint/2010/main" val="4129752127"/>
+      </p:ext>
+    </p:extLst>
+  </p:cSld>
+  <p:clrMapOvr>
+    <a:masterClrMapping/>
+  </p:clrMapOvr>
+</p:sld>
+</file>
+
+<file path=ppt/slides/slide7.xml><?xml version="1.0" encoding="utf-8"?>
+<p:sld xmlns:a="http://schemas.openxmlformats.org/drawingml/2006/main" xmlns:r="http://schemas.openxmlformats.org/officeDocument/2006/relationships" xmlns:p="http://schemas.openxmlformats.org/presentationml/2006/main">
+  <p:cSld>
+    <p:spTree>
+      <p:nvGrpSpPr>
+        <p:cNvPr id="1" name=""/>
+        <p:cNvGrpSpPr/>
+        <p:nvPr/>
+      </p:nvGrpSpPr>
+      <p:grpSpPr>
+        <a:xfrm>
+          <a:off x="0" y="0"/>
+          <a:ext cx="0" cy="0"/>
+          <a:chOff x="0" y="0"/>
+          <a:chExt cx="0" cy="0"/>
+        </a:xfrm>
+      </p:grpSpPr>
+      <p:sp>
+        <p:nvSpPr>
+          <p:cNvPr id="2" name="Title 1">
+            <a:extLst>
+              <a:ext uri="{FF2B5EF4-FFF2-40B4-BE49-F238E27FC236}">
+                <a16:creationId xmlns:a16="http://schemas.microsoft.com/office/drawing/2014/main" id="{50B9A8B0-E451-5C14-3F41-64E1D1FF9B6B}"/>
+              </a:ext>
+            </a:extLst>
+          </p:cNvPr>
+          <p:cNvSpPr>
+            <a:spLocks noGrp="1"/>
+          </p:cNvSpPr>
+          <p:nvPr>
+            <p:ph type="title"/>
+          </p:nvPr>
+        </p:nvSpPr>
+        <p:spPr/>
+        <p:txBody>
+          <a:bodyPr/>
+          <a:lstStyle/>
+          <a:p>
+            <a:r>
+              <a:rPr lang="en-US" dirty="0"/>
+              <a:t>How it Works</a:t>
+            </a:r>
+          </a:p>
+        </p:txBody>
+      </p:sp>
+      <p:sp>
+        <p:nvSpPr>
+          <p:cNvPr id="3" name="Content Placeholder 2">
+            <a:extLst>
+              <a:ext uri="{FF2B5EF4-FFF2-40B4-BE49-F238E27FC236}">
+                <a16:creationId xmlns:a16="http://schemas.microsoft.com/office/drawing/2014/main" id="{008EA660-882B-8B38-69BB-974CF3F26FAF}"/>
+              </a:ext>
+            </a:extLst>
+          </p:cNvPr>
+          <p:cNvSpPr>
+            <a:spLocks noGrp="1"/>
+          </p:cNvSpPr>
+          <p:nvPr>
+            <p:ph idx="1"/>
+          </p:nvPr>
+        </p:nvSpPr>
+        <p:spPr/>
+        <p:txBody>
+          <a:bodyPr/>
+          <a:lstStyle/>
+          <a:p>
+            <a:r>
+              <a:rPr lang="en-US" dirty="0"/>
+              <a:t>Board is drawn at the beginning of the gain</a:t>
+            </a:r>
+          </a:p>
+          <a:p>
+            <a:r>
+              <a:rPr lang="en-US" dirty="0"/>
+              <a:t>Multiple checks are used to make sure that a move is legal</a:t>
+            </a:r>
+          </a:p>
+          <a:p>
+            <a:r>
+              <a:rPr lang="en-US" dirty="0"/>
+              <a:t>The turns alternate between player X and player O</a:t>
+            </a:r>
+          </a:p>
+          <a:p>
+            <a:r>
+              <a:rPr lang="en-US" dirty="0"/>
+              <a:t>Once a player selects a column, the checker will be added to lowest available row in the column</a:t>
+            </a:r>
+          </a:p>
+          <a:p>
+            <a:pPr lvl="1"/>
+            <a:r>
+              <a:rPr lang="en-US" dirty="0"/>
+              <a:t>If column is full, the checker can’t be added</a:t>
+            </a:r>
+          </a:p>
+        </p:txBody>
+      </p:sp>
+    </p:spTree>
+    <p:extLst>
+      <p:ext uri="{BB962C8B-B14F-4D97-AF65-F5344CB8AC3E}">
+        <p14:creationId xmlns:p14="http://schemas.microsoft.com/office/powerpoint/2010/main" val="4255654562"/>
+      </p:ext>
+    </p:extLst>
+  </p:cSld>
+  <p:clrMapOvr>
+    <a:masterClrMapping/>
+  </p:clrMapOvr>
+</p:sld>
+</file>
+
+<file path=ppt/slides/slide8.xml><?xml version="1.0" encoding="utf-8"?>
+<p:sld xmlns:a="http://schemas.openxmlformats.org/drawingml/2006/main" xmlns:r="http://schemas.openxmlformats.org/officeDocument/2006/relationships" xmlns:p="http://schemas.openxmlformats.org/presentationml/2006/main">
+  <p:cSld>
+    <p:spTree>
+      <p:nvGrpSpPr>
+        <p:cNvPr id="1" name=""/>
+        <p:cNvGrpSpPr/>
+        <p:nvPr/>
+      </p:nvGrpSpPr>
+      <p:grpSpPr>
+        <a:xfrm>
+          <a:off x="0" y="0"/>
+          <a:ext cx="0" cy="0"/>
+          <a:chOff x="0" y="0"/>
+          <a:chExt cx="0" cy="0"/>
+        </a:xfrm>
+      </p:grpSpPr>
+      <p:sp>
+        <p:nvSpPr>
+          <p:cNvPr id="2" name="Title 1">
+            <a:extLst>
+              <a:ext uri="{FF2B5EF4-FFF2-40B4-BE49-F238E27FC236}">
+                <a16:creationId xmlns:a16="http://schemas.microsoft.com/office/drawing/2014/main" id="{A3F351EA-71F3-872C-9D25-5C8664CE58AA}"/>
+              </a:ext>
+            </a:extLst>
+          </p:cNvPr>
+          <p:cNvSpPr>
+            <a:spLocks noGrp="1"/>
+          </p:cNvSpPr>
+          <p:nvPr>
+            <p:ph type="title"/>
+          </p:nvPr>
+        </p:nvSpPr>
+        <p:spPr/>
+        <p:txBody>
+          <a:bodyPr/>
+          <a:lstStyle/>
+          <a:p>
+            <a:r>
+              <a:rPr lang="en-US" dirty="0"/>
+              <a:t>AI_Player.cpp</a:t>
+            </a:r>
+          </a:p>
+        </p:txBody>
+      </p:sp>
+      <p:sp>
+        <p:nvSpPr>
+          <p:cNvPr id="3" name="Content Placeholder 2">
+            <a:extLst>
+              <a:ext uri="{FF2B5EF4-FFF2-40B4-BE49-F238E27FC236}">
+                <a16:creationId xmlns:a16="http://schemas.microsoft.com/office/drawing/2014/main" id="{1E2CED7D-1D53-34AE-A6A7-C525117D7FDA}"/>
+              </a:ext>
+            </a:extLst>
+          </p:cNvPr>
+          <p:cNvSpPr>
+            <a:spLocks noGrp="1"/>
+          </p:cNvSpPr>
+          <p:nvPr>
+            <p:ph idx="1"/>
+          </p:nvPr>
+        </p:nvSpPr>
+        <p:spPr/>
+        <p:txBody>
+          <a:bodyPr/>
+          <a:lstStyle/>
+          <a:p>
+            <a:r>
+              <a:rPr lang="en-US" dirty="0"/>
+              <a:t>Contains functions for </a:t>
+            </a:r>
+            <a:r>
+              <a:rPr lang="en-US" dirty="0" err="1"/>
+              <a:t>AI_Player</a:t>
+            </a:r>
+            <a:r>
+              <a:rPr lang="en-US" dirty="0"/>
+              <a:t> that will analyze the current state of the game and make the next move accordingly</a:t>
+            </a:r>
+          </a:p>
+          <a:p>
+            <a:r>
+              <a:rPr lang="en-US" dirty="0"/>
+              <a:t>Will then use Board functions to make their move.</a:t>
+            </a:r>
+          </a:p>
+          <a:p>
+            <a:r>
+              <a:rPr lang="en-US" dirty="0"/>
+              <a:t>Used for identification i.e. or which is the active player.</a:t>
+            </a:r>
+          </a:p>
+          <a:p>
+            <a:r>
+              <a:rPr lang="en-US" dirty="0"/>
+              <a:t>This was unfortunately not implemented into the game</a:t>
+            </a:r>
+          </a:p>
+        </p:txBody>
+      </p:sp>
+    </p:spTree>
+    <p:extLst>
+      <p:ext uri="{BB962C8B-B14F-4D97-AF65-F5344CB8AC3E}">
+        <p14:creationId xmlns:p14="http://schemas.microsoft.com/office/powerpoint/2010/main" val="1565509385"/>
       </p:ext>
     </p:extLst>
   </p:cSld>

--- a/doc/ProjectArchitecture.pptx
+++ b/doc/ProjectArchitecture.pptx
@@ -4117,7 +4117,17 @@
           <a:p>
             <a:r>
               <a:rPr lang="en-US" dirty="0"/>
-              <a:t>Board is drawn at the beginning of the gain</a:t>
+              <a:t>Everything is run inside of a </a:t>
+            </a:r>
+            <a:r>
+              <a:rPr lang="en-US"/>
+              <a:t>terminal similar to PA3</a:t>
+            </a:r>
+          </a:p>
+          <a:p>
+            <a:r>
+              <a:rPr lang="en-US" dirty="0"/>
+              <a:t>Board is drawn at the beginning of the game</a:t>
             </a:r>
           </a:p>
           <a:p>
